--- a/飞奇帅组项目介绍.pptx
+++ b/飞奇帅组项目介绍.pptx
@@ -211,14 +211,14 @@
           </a:ln>
           <a:extLst>
             <a:ext uri="{909E8E84-426E-40DD-AFC4-6F175D3DCCD1}">
-              <a14:hiddenFill xmlns="" xmlns:a14="http://schemas.microsoft.com/office/drawing/2010/main">
+              <a14:hiddenFill xmlns:a14="http://schemas.microsoft.com/office/drawing/2010/main" xmlns="">
                 <a:solidFill>
                   <a:srgbClr val="FFFFFF"/>
                 </a:solidFill>
               </a14:hiddenFill>
             </a:ext>
             <a:ext uri="{91240B29-F687-4F45-9708-019B960494DF}">
-              <a14:hiddenLine xmlns="" xmlns:a14="http://schemas.microsoft.com/office/drawing/2010/main" w="9525">
+              <a14:hiddenLine xmlns:a14="http://schemas.microsoft.com/office/drawing/2010/main" xmlns="" w="9525">
                 <a:solidFill>
                   <a:srgbClr val="000000"/>
                 </a:solidFill>
@@ -270,14 +270,14 @@
           </a:ln>
           <a:extLst>
             <a:ext uri="{909E8E84-426E-40DD-AFC4-6F175D3DCCD1}">
-              <a14:hiddenFill xmlns="" xmlns:a14="http://schemas.microsoft.com/office/drawing/2010/main">
+              <a14:hiddenFill xmlns:a14="http://schemas.microsoft.com/office/drawing/2010/main" xmlns="">
                 <a:solidFill>
                   <a:srgbClr val="FFFFFF"/>
                 </a:solidFill>
               </a14:hiddenFill>
             </a:ext>
             <a:ext uri="{91240B29-F687-4F45-9708-019B960494DF}">
-              <a14:hiddenLine xmlns="" xmlns:a14="http://schemas.microsoft.com/office/drawing/2010/main" w="9525">
+              <a14:hiddenLine xmlns:a14="http://schemas.microsoft.com/office/drawing/2010/main" xmlns="" w="9525">
                 <a:solidFill>
                   <a:srgbClr val="000000"/>
                 </a:solidFill>
@@ -336,14 +336,14 @@
           </a:ln>
           <a:extLst>
             <a:ext uri="{909E8E84-426E-40DD-AFC4-6F175D3DCCD1}">
-              <a14:hiddenFill xmlns="" xmlns:a14="http://schemas.microsoft.com/office/drawing/2010/main">
+              <a14:hiddenFill xmlns:a14="http://schemas.microsoft.com/office/drawing/2010/main" xmlns="">
                 <a:solidFill>
                   <a:srgbClr val="FFFFFF"/>
                 </a:solidFill>
               </a14:hiddenFill>
             </a:ext>
             <a:ext uri="{91240B29-F687-4F45-9708-019B960494DF}">
-              <a14:hiddenLine xmlns="" xmlns:a14="http://schemas.microsoft.com/office/drawing/2010/main" w="12700">
+              <a14:hiddenLine xmlns:a14="http://schemas.microsoft.com/office/drawing/2010/main" xmlns="" w="12700">
                 <a:solidFill>
                   <a:srgbClr val="000000"/>
                 </a:solidFill>
@@ -375,14 +375,14 @@
           </a:ln>
           <a:extLst>
             <a:ext uri="{909E8E84-426E-40DD-AFC4-6F175D3DCCD1}">
-              <a14:hiddenFill xmlns="" xmlns:a14="http://schemas.microsoft.com/office/drawing/2010/main">
+              <a14:hiddenFill xmlns:a14="http://schemas.microsoft.com/office/drawing/2010/main" xmlns="">
                 <a:solidFill>
                   <a:srgbClr val="FFFFFF"/>
                 </a:solidFill>
               </a14:hiddenFill>
             </a:ext>
             <a:ext uri="{91240B29-F687-4F45-9708-019B960494DF}">
-              <a14:hiddenLine xmlns="" xmlns:a14="http://schemas.microsoft.com/office/drawing/2010/main" w="12700">
+              <a14:hiddenLine xmlns:a14="http://schemas.microsoft.com/office/drawing/2010/main" xmlns="" w="12700">
                 <a:solidFill>
                   <a:srgbClr val="000000"/>
                 </a:solidFill>
@@ -577,14 +577,14 @@
           </a:ln>
           <a:extLst>
             <a:ext uri="{909E8E84-426E-40DD-AFC4-6F175D3DCCD1}">
-              <a14:hiddenFill xmlns="" xmlns:a14="http://schemas.microsoft.com/office/drawing/2010/main">
+              <a14:hiddenFill xmlns:a14="http://schemas.microsoft.com/office/drawing/2010/main" xmlns="">
                 <a:solidFill>
                   <a:srgbClr val="FFFFFF"/>
                 </a:solidFill>
               </a14:hiddenFill>
             </a:ext>
             <a:ext uri="{91240B29-F687-4F45-9708-019B960494DF}">
-              <a14:hiddenLine xmlns="" xmlns:a14="http://schemas.microsoft.com/office/drawing/2010/main" w="9525">
+              <a14:hiddenLine xmlns:a14="http://schemas.microsoft.com/office/drawing/2010/main" xmlns="" w="9525">
                 <a:solidFill>
                   <a:srgbClr val="000000"/>
                 </a:solidFill>
@@ -636,14 +636,14 @@
           </a:ln>
           <a:extLst>
             <a:ext uri="{909E8E84-426E-40DD-AFC4-6F175D3DCCD1}">
-              <a14:hiddenFill xmlns="" xmlns:a14="http://schemas.microsoft.com/office/drawing/2010/main">
+              <a14:hiddenFill xmlns:a14="http://schemas.microsoft.com/office/drawing/2010/main" xmlns="">
                 <a:solidFill>
                   <a:srgbClr val="FFFFFF"/>
                 </a:solidFill>
               </a14:hiddenFill>
             </a:ext>
             <a:ext uri="{91240B29-F687-4F45-9708-019B960494DF}">
-              <a14:hiddenLine xmlns="" xmlns:a14="http://schemas.microsoft.com/office/drawing/2010/main" w="9525">
+              <a14:hiddenLine xmlns:a14="http://schemas.microsoft.com/office/drawing/2010/main" xmlns="" w="9525">
                 <a:solidFill>
                   <a:srgbClr val="000000"/>
                 </a:solidFill>
@@ -3106,14 +3106,14 @@
           </a:ln>
           <a:extLst>
             <a:ext uri="{909E8E84-426E-40DD-AFC4-6F175D3DCCD1}">
-              <a14:hiddenFill xmlns="" xmlns:a14="http://schemas.microsoft.com/office/drawing/2010/main">
+              <a14:hiddenFill xmlns:a14="http://schemas.microsoft.com/office/drawing/2010/main" xmlns="">
                 <a:solidFill>
                   <a:srgbClr val="FFFFFF"/>
                 </a:solidFill>
               </a14:hiddenFill>
             </a:ext>
             <a:ext uri="{91240B29-F687-4F45-9708-019B960494DF}">
-              <a14:hiddenLine xmlns="" xmlns:a14="http://schemas.microsoft.com/office/drawing/2010/main" w="9525">
+              <a14:hiddenLine xmlns:a14="http://schemas.microsoft.com/office/drawing/2010/main" xmlns="" w="9525">
                 <a:solidFill>
                   <a:srgbClr val="000000"/>
                 </a:solidFill>
@@ -3346,14 +3346,14 @@
           </a:ln>
           <a:extLst>
             <a:ext uri="{909E8E84-426E-40DD-AFC4-6F175D3DCCD1}">
-              <a14:hiddenFill xmlns="" xmlns:a14="http://schemas.microsoft.com/office/drawing/2010/main">
+              <a14:hiddenFill xmlns:a14="http://schemas.microsoft.com/office/drawing/2010/main" xmlns="">
                 <a:solidFill>
                   <a:srgbClr val="FFFFFF"/>
                 </a:solidFill>
               </a14:hiddenFill>
             </a:ext>
             <a:ext uri="{91240B29-F687-4F45-9708-019B960494DF}">
-              <a14:hiddenLine xmlns="" xmlns:a14="http://schemas.microsoft.com/office/drawing/2010/main" w="9525">
+              <a14:hiddenLine xmlns:a14="http://schemas.microsoft.com/office/drawing/2010/main" xmlns="" w="9525">
                 <a:solidFill>
                   <a:srgbClr val="000000"/>
                 </a:solidFill>
@@ -3555,14 +3555,14 @@
           </a:ln>
           <a:extLst>
             <a:ext uri="{909E8E84-426E-40DD-AFC4-6F175D3DCCD1}">
-              <a14:hiddenFill xmlns="" xmlns:a14="http://schemas.microsoft.com/office/drawing/2010/main">
+              <a14:hiddenFill xmlns:a14="http://schemas.microsoft.com/office/drawing/2010/main" xmlns="">
                 <a:solidFill>
                   <a:srgbClr val="FFFFFF"/>
                 </a:solidFill>
               </a14:hiddenFill>
             </a:ext>
             <a:ext uri="{91240B29-F687-4F45-9708-019B960494DF}">
-              <a14:hiddenLine xmlns="" xmlns:a14="http://schemas.microsoft.com/office/drawing/2010/main" w="9525">
+              <a14:hiddenLine xmlns:a14="http://schemas.microsoft.com/office/drawing/2010/main" xmlns="" w="9525">
                 <a:solidFill>
                   <a:srgbClr val="000000"/>
                 </a:solidFill>
@@ -4302,14 +4302,14 @@
           </a:ln>
           <a:extLst>
             <a:ext uri="{909E8E84-426E-40DD-AFC4-6F175D3DCCD1}">
-              <a14:hiddenFill xmlns="" xmlns:a14="http://schemas.microsoft.com/office/drawing/2010/main">
+              <a14:hiddenFill xmlns:a14="http://schemas.microsoft.com/office/drawing/2010/main" xmlns="">
                 <a:solidFill>
                   <a:srgbClr val="FFFFFF"/>
                 </a:solidFill>
               </a14:hiddenFill>
             </a:ext>
             <a:ext uri="{91240B29-F687-4F45-9708-019B960494DF}">
-              <a14:hiddenLine xmlns="" xmlns:a14="http://schemas.microsoft.com/office/drawing/2010/main" w="9525">
+              <a14:hiddenLine xmlns:a14="http://schemas.microsoft.com/office/drawing/2010/main" xmlns="" w="9525">
                 <a:solidFill>
                   <a:srgbClr val="000000"/>
                 </a:solidFill>
@@ -4484,14 +4484,14 @@
           </a:ln>
           <a:extLst>
             <a:ext uri="{909E8E84-426E-40DD-AFC4-6F175D3DCCD1}">
-              <a14:hiddenFill xmlns="" xmlns:a14="http://schemas.microsoft.com/office/drawing/2010/main">
+              <a14:hiddenFill xmlns:a14="http://schemas.microsoft.com/office/drawing/2010/main" xmlns="">
                 <a:solidFill>
                   <a:srgbClr val="FFFFFF"/>
                 </a:solidFill>
               </a14:hiddenFill>
             </a:ext>
             <a:ext uri="{91240B29-F687-4F45-9708-019B960494DF}">
-              <a14:hiddenLine xmlns="" xmlns:a14="http://schemas.microsoft.com/office/drawing/2010/main" w="9525">
+              <a14:hiddenLine xmlns:a14="http://schemas.microsoft.com/office/drawing/2010/main" xmlns="" w="9525">
                 <a:solidFill>
                   <a:srgbClr val="000000"/>
                 </a:solidFill>
@@ -5192,14 +5192,14 @@
           </a:ln>
           <a:extLst>
             <a:ext uri="{909E8E84-426E-40DD-AFC4-6F175D3DCCD1}">
-              <a14:hiddenFill xmlns="" xmlns:a14="http://schemas.microsoft.com/office/drawing/2010/main">
+              <a14:hiddenFill xmlns:a14="http://schemas.microsoft.com/office/drawing/2010/main" xmlns="">
                 <a:solidFill>
                   <a:srgbClr val="FFFFFF"/>
                 </a:solidFill>
               </a14:hiddenFill>
             </a:ext>
             <a:ext uri="{91240B29-F687-4F45-9708-019B960494DF}">
-              <a14:hiddenLine xmlns="" xmlns:a14="http://schemas.microsoft.com/office/drawing/2010/main" w="9525">
+              <a14:hiddenLine xmlns:a14="http://schemas.microsoft.com/office/drawing/2010/main" xmlns="" w="9525">
                 <a:solidFill>
                   <a:srgbClr val="000000"/>
                 </a:solidFill>
@@ -5396,7 +5396,7 @@
             </a:ln>
             <a:extLst>
               <a:ext uri="{91240B29-F687-4F45-9708-019B960494DF}">
-                <a14:hiddenLine xmlns="" xmlns:a14="http://schemas.microsoft.com/office/drawing/2010/main" w="25400">
+                <a14:hiddenLine xmlns:a14="http://schemas.microsoft.com/office/drawing/2010/main" xmlns="" w="25400">
                   <a:solidFill>
                     <a:srgbClr val="395E8A"/>
                   </a:solidFill>
@@ -5553,7 +5553,7 @@
             </a:ln>
             <a:extLst>
               <a:ext uri="{91240B29-F687-4F45-9708-019B960494DF}">
-                <a14:hiddenLine xmlns="" xmlns:a14="http://schemas.microsoft.com/office/drawing/2010/main" w="25400">
+                <a14:hiddenLine xmlns:a14="http://schemas.microsoft.com/office/drawing/2010/main" xmlns="" w="25400">
                   <a:solidFill>
                     <a:srgbClr val="395E8A"/>
                   </a:solidFill>
@@ -6390,14 +6390,14 @@
           </a:ln>
           <a:extLst>
             <a:ext uri="{909E8E84-426E-40DD-AFC4-6F175D3DCCD1}">
-              <a14:hiddenFill xmlns="" xmlns:a14="http://schemas.microsoft.com/office/drawing/2010/main">
+              <a14:hiddenFill xmlns:a14="http://schemas.microsoft.com/office/drawing/2010/main" xmlns="">
                 <a:solidFill>
                   <a:srgbClr val="FFFFFF"/>
                 </a:solidFill>
               </a14:hiddenFill>
             </a:ext>
             <a:ext uri="{91240B29-F687-4F45-9708-019B960494DF}">
-              <a14:hiddenLine xmlns="" xmlns:a14="http://schemas.microsoft.com/office/drawing/2010/main" w="9525">
+              <a14:hiddenLine xmlns:a14="http://schemas.microsoft.com/office/drawing/2010/main" xmlns="" w="9525">
                 <a:solidFill>
                   <a:srgbClr val="000000"/>
                 </a:solidFill>
@@ -6572,14 +6572,14 @@
           </a:ln>
           <a:extLst>
             <a:ext uri="{909E8E84-426E-40DD-AFC4-6F175D3DCCD1}">
-              <a14:hiddenFill xmlns="" xmlns:a14="http://schemas.microsoft.com/office/drawing/2010/main">
+              <a14:hiddenFill xmlns:a14="http://schemas.microsoft.com/office/drawing/2010/main" xmlns="">
                 <a:solidFill>
                   <a:srgbClr val="FFFFFF"/>
                 </a:solidFill>
               </a14:hiddenFill>
             </a:ext>
             <a:ext uri="{91240B29-F687-4F45-9708-019B960494DF}">
-              <a14:hiddenLine xmlns="" xmlns:a14="http://schemas.microsoft.com/office/drawing/2010/main" w="9525">
+              <a14:hiddenLine xmlns:a14="http://schemas.microsoft.com/office/drawing/2010/main" xmlns="" w="9525">
                 <a:solidFill>
                   <a:srgbClr val="000000"/>
                 </a:solidFill>
@@ -7044,14 +7044,14 @@
           </a:ln>
           <a:extLst>
             <a:ext uri="{909E8E84-426E-40DD-AFC4-6F175D3DCCD1}">
-              <a14:hiddenFill xmlns="" xmlns:a14="http://schemas.microsoft.com/office/drawing/2010/main">
+              <a14:hiddenFill xmlns:a14="http://schemas.microsoft.com/office/drawing/2010/main" xmlns="">
                 <a:solidFill>
                   <a:srgbClr val="FFFFFF"/>
                 </a:solidFill>
               </a14:hiddenFill>
             </a:ext>
             <a:ext uri="{91240B29-F687-4F45-9708-019B960494DF}">
-              <a14:hiddenLine xmlns="" xmlns:a14="http://schemas.microsoft.com/office/drawing/2010/main" w="9525">
+              <a14:hiddenLine xmlns:a14="http://schemas.microsoft.com/office/drawing/2010/main" xmlns="" w="9525">
                 <a:solidFill>
                   <a:srgbClr val="000000"/>
                 </a:solidFill>
@@ -7466,14 +7466,14 @@
           </a:ln>
           <a:extLst>
             <a:ext uri="{909E8E84-426E-40DD-AFC4-6F175D3DCCD1}">
-              <a14:hiddenFill xmlns="" xmlns:a14="http://schemas.microsoft.com/office/drawing/2010/main">
+              <a14:hiddenFill xmlns:a14="http://schemas.microsoft.com/office/drawing/2010/main" xmlns="">
                 <a:solidFill>
                   <a:srgbClr val="FFFFFF"/>
                 </a:solidFill>
               </a14:hiddenFill>
             </a:ext>
             <a:ext uri="{91240B29-F687-4F45-9708-019B960494DF}">
-              <a14:hiddenLine xmlns="" xmlns:a14="http://schemas.microsoft.com/office/drawing/2010/main" w="9525">
+              <a14:hiddenLine xmlns:a14="http://schemas.microsoft.com/office/drawing/2010/main" xmlns="" w="9525">
                 <a:solidFill>
                   <a:srgbClr val="000000"/>
                 </a:solidFill>
@@ -7670,7 +7670,7 @@
             </a:ln>
             <a:extLst>
               <a:ext uri="{91240B29-F687-4F45-9708-019B960494DF}">
-                <a14:hiddenLine xmlns="" xmlns:a14="http://schemas.microsoft.com/office/drawing/2010/main" w="25400">
+                <a14:hiddenLine xmlns:a14="http://schemas.microsoft.com/office/drawing/2010/main" xmlns="" w="25400">
                   <a:solidFill>
                     <a:srgbClr val="395E8A"/>
                   </a:solidFill>
@@ -7827,7 +7827,7 @@
             </a:ln>
             <a:extLst>
               <a:ext uri="{91240B29-F687-4F45-9708-019B960494DF}">
-                <a14:hiddenLine xmlns="" xmlns:a14="http://schemas.microsoft.com/office/drawing/2010/main" w="25400">
+                <a14:hiddenLine xmlns:a14="http://schemas.microsoft.com/office/drawing/2010/main" xmlns="" w="25400">
                   <a:solidFill>
                     <a:srgbClr val="395E8A"/>
                   </a:solidFill>
@@ -8503,14 +8503,14 @@
           </a:ln>
           <a:extLst>
             <a:ext uri="{909E8E84-426E-40DD-AFC4-6F175D3DCCD1}">
-              <a14:hiddenFill xmlns="" xmlns:a14="http://schemas.microsoft.com/office/drawing/2010/main">
+              <a14:hiddenFill xmlns:a14="http://schemas.microsoft.com/office/drawing/2010/main" xmlns="">
                 <a:solidFill>
                   <a:srgbClr val="FFFFFF"/>
                 </a:solidFill>
               </a14:hiddenFill>
             </a:ext>
             <a:ext uri="{91240B29-F687-4F45-9708-019B960494DF}">
-              <a14:hiddenLine xmlns="" xmlns:a14="http://schemas.microsoft.com/office/drawing/2010/main" w="9525">
+              <a14:hiddenLine xmlns:a14="http://schemas.microsoft.com/office/drawing/2010/main" xmlns="" w="9525">
                 <a:solidFill>
                   <a:srgbClr val="000000"/>
                 </a:solidFill>
@@ -8707,7 +8707,7 @@
             </a:ln>
             <a:extLst>
               <a:ext uri="{91240B29-F687-4F45-9708-019B960494DF}">
-                <a14:hiddenLine xmlns="" xmlns:a14="http://schemas.microsoft.com/office/drawing/2010/main" w="25400">
+                <a14:hiddenLine xmlns:a14="http://schemas.microsoft.com/office/drawing/2010/main" xmlns="" w="25400">
                   <a:solidFill>
                     <a:srgbClr val="395E8A"/>
                   </a:solidFill>
@@ -8864,7 +8864,7 @@
             </a:ln>
             <a:extLst>
               <a:ext uri="{91240B29-F687-4F45-9708-019B960494DF}">
-                <a14:hiddenLine xmlns="" xmlns:a14="http://schemas.microsoft.com/office/drawing/2010/main" w="25400">
+                <a14:hiddenLine xmlns:a14="http://schemas.microsoft.com/office/drawing/2010/main" xmlns="" w="25400">
                   <a:solidFill>
                     <a:srgbClr val="395E8A"/>
                   </a:solidFill>
@@ -9470,14 +9470,14 @@
           </a:ln>
           <a:extLst>
             <a:ext uri="{909E8E84-426E-40DD-AFC4-6F175D3DCCD1}">
-              <a14:hiddenFill xmlns="" xmlns:a14="http://schemas.microsoft.com/office/drawing/2010/main">
+              <a14:hiddenFill xmlns:a14="http://schemas.microsoft.com/office/drawing/2010/main" xmlns="">
                 <a:solidFill>
                   <a:srgbClr val="FFFFFF"/>
                 </a:solidFill>
               </a14:hiddenFill>
             </a:ext>
             <a:ext uri="{91240B29-F687-4F45-9708-019B960494DF}">
-              <a14:hiddenLine xmlns="" xmlns:a14="http://schemas.microsoft.com/office/drawing/2010/main" w="9525">
+              <a14:hiddenLine xmlns:a14="http://schemas.microsoft.com/office/drawing/2010/main" xmlns="" w="9525">
                 <a:solidFill>
                   <a:srgbClr val="000000"/>
                 </a:solidFill>
@@ -9674,7 +9674,7 @@
             </a:ln>
             <a:extLst>
               <a:ext uri="{91240B29-F687-4F45-9708-019B960494DF}">
-                <a14:hiddenLine xmlns="" xmlns:a14="http://schemas.microsoft.com/office/drawing/2010/main" w="25400">
+                <a14:hiddenLine xmlns:a14="http://schemas.microsoft.com/office/drawing/2010/main" xmlns="" w="25400">
                   <a:solidFill>
                     <a:srgbClr val="395E8A"/>
                   </a:solidFill>
@@ -9831,7 +9831,7 @@
             </a:ln>
             <a:extLst>
               <a:ext uri="{91240B29-F687-4F45-9708-019B960494DF}">
-                <a14:hiddenLine xmlns="" xmlns:a14="http://schemas.microsoft.com/office/drawing/2010/main" w="25400">
+                <a14:hiddenLine xmlns:a14="http://schemas.microsoft.com/office/drawing/2010/main" xmlns="" w="25400">
                   <a:solidFill>
                     <a:srgbClr val="395E8A"/>
                   </a:solidFill>
@@ -10456,14 +10456,14 @@
           </a:ln>
           <a:extLst>
             <a:ext uri="{909E8E84-426E-40DD-AFC4-6F175D3DCCD1}">
-              <a14:hiddenFill xmlns="" xmlns:a14="http://schemas.microsoft.com/office/drawing/2010/main">
+              <a14:hiddenFill xmlns:a14="http://schemas.microsoft.com/office/drawing/2010/main" xmlns="">
                 <a:solidFill>
                   <a:srgbClr val="FFFFFF"/>
                 </a:solidFill>
               </a14:hiddenFill>
             </a:ext>
             <a:ext uri="{91240B29-F687-4F45-9708-019B960494DF}">
-              <a14:hiddenLine xmlns="" xmlns:a14="http://schemas.microsoft.com/office/drawing/2010/main" w="9525">
+              <a14:hiddenLine xmlns:a14="http://schemas.microsoft.com/office/drawing/2010/main" xmlns="" w="9525">
                 <a:solidFill>
                   <a:srgbClr val="000000"/>
                 </a:solidFill>
@@ -10660,7 +10660,7 @@
             </a:ln>
             <a:extLst>
               <a:ext uri="{91240B29-F687-4F45-9708-019B960494DF}">
-                <a14:hiddenLine xmlns="" xmlns:a14="http://schemas.microsoft.com/office/drawing/2010/main" w="25400">
+                <a14:hiddenLine xmlns:a14="http://schemas.microsoft.com/office/drawing/2010/main" xmlns="" w="25400">
                   <a:solidFill>
                     <a:srgbClr val="395E8A"/>
                   </a:solidFill>
@@ -10817,7 +10817,7 @@
             </a:ln>
             <a:extLst>
               <a:ext uri="{91240B29-F687-4F45-9708-019B960494DF}">
-                <a14:hiddenLine xmlns="" xmlns:a14="http://schemas.microsoft.com/office/drawing/2010/main" w="25400">
+                <a14:hiddenLine xmlns:a14="http://schemas.microsoft.com/office/drawing/2010/main" xmlns="" w="25400">
                   <a:solidFill>
                     <a:srgbClr val="395E8A"/>
                   </a:solidFill>
@@ -11373,14 +11373,14 @@
           </a:ln>
           <a:extLst>
             <a:ext uri="{909E8E84-426E-40DD-AFC4-6F175D3DCCD1}">
-              <a14:hiddenFill xmlns="" xmlns:a14="http://schemas.microsoft.com/office/drawing/2010/main">
+              <a14:hiddenFill xmlns:a14="http://schemas.microsoft.com/office/drawing/2010/main" xmlns="">
                 <a:solidFill>
                   <a:srgbClr val="FFFFFF"/>
                 </a:solidFill>
               </a14:hiddenFill>
             </a:ext>
             <a:ext uri="{91240B29-F687-4F45-9708-019B960494DF}">
-              <a14:hiddenLine xmlns="" xmlns:a14="http://schemas.microsoft.com/office/drawing/2010/main" w="9525">
+              <a14:hiddenLine xmlns:a14="http://schemas.microsoft.com/office/drawing/2010/main" xmlns="" w="9525">
                 <a:solidFill>
                   <a:srgbClr val="000000"/>
                 </a:solidFill>
@@ -11577,7 +11577,7 @@
             </a:ln>
             <a:extLst>
               <a:ext uri="{91240B29-F687-4F45-9708-019B960494DF}">
-                <a14:hiddenLine xmlns="" xmlns:a14="http://schemas.microsoft.com/office/drawing/2010/main" w="25400">
+                <a14:hiddenLine xmlns:a14="http://schemas.microsoft.com/office/drawing/2010/main" xmlns="" w="25400">
                   <a:solidFill>
                     <a:srgbClr val="395E8A"/>
                   </a:solidFill>
@@ -11734,7 +11734,7 @@
             </a:ln>
             <a:extLst>
               <a:ext uri="{91240B29-F687-4F45-9708-019B960494DF}">
-                <a14:hiddenLine xmlns="" xmlns:a14="http://schemas.microsoft.com/office/drawing/2010/main" w="25400">
+                <a14:hiddenLine xmlns:a14="http://schemas.microsoft.com/office/drawing/2010/main" xmlns="" w="25400">
                   <a:solidFill>
                     <a:srgbClr val="395E8A"/>
                   </a:solidFill>
@@ -12337,14 +12337,14 @@
           </a:ln>
           <a:extLst>
             <a:ext uri="{909E8E84-426E-40DD-AFC4-6F175D3DCCD1}">
-              <a14:hiddenFill xmlns="" xmlns:a14="http://schemas.microsoft.com/office/drawing/2010/main">
+              <a14:hiddenFill xmlns:a14="http://schemas.microsoft.com/office/drawing/2010/main" xmlns="">
                 <a:solidFill>
                   <a:srgbClr val="FFFFFF"/>
                 </a:solidFill>
               </a14:hiddenFill>
             </a:ext>
             <a:ext uri="{91240B29-F687-4F45-9708-019B960494DF}">
-              <a14:hiddenLine xmlns="" xmlns:a14="http://schemas.microsoft.com/office/drawing/2010/main" w="9525">
+              <a14:hiddenLine xmlns:a14="http://schemas.microsoft.com/office/drawing/2010/main" xmlns="" w="9525">
                 <a:solidFill>
                   <a:srgbClr val="000000"/>
                 </a:solidFill>
@@ -12541,7 +12541,7 @@
             </a:ln>
             <a:extLst>
               <a:ext uri="{91240B29-F687-4F45-9708-019B960494DF}">
-                <a14:hiddenLine xmlns="" xmlns:a14="http://schemas.microsoft.com/office/drawing/2010/main" w="25400">
+                <a14:hiddenLine xmlns:a14="http://schemas.microsoft.com/office/drawing/2010/main" xmlns="" w="25400">
                   <a:solidFill>
                     <a:srgbClr val="395E8A"/>
                   </a:solidFill>
@@ -12698,7 +12698,7 @@
             </a:ln>
             <a:extLst>
               <a:ext uri="{91240B29-F687-4F45-9708-019B960494DF}">
-                <a14:hiddenLine xmlns="" xmlns:a14="http://schemas.microsoft.com/office/drawing/2010/main" w="25400">
+                <a14:hiddenLine xmlns:a14="http://schemas.microsoft.com/office/drawing/2010/main" xmlns="" w="25400">
                   <a:solidFill>
                     <a:srgbClr val="395E8A"/>
                   </a:solidFill>
@@ -12861,7 +12861,15 @@
                     <a:p>
                       <a:r>
                         <a:rPr lang="zh-CN" altLang="en-US" sz="1800" dirty="0" smtClean="0"/>
-                        <a:t>那各省份有没有</a:t>
+                        <a:t>那省</a:t>
+                      </a:r>
+                      <a:r>
+                        <a:rPr lang="zh-CN" altLang="en-US" sz="1800" dirty="0" smtClean="0"/>
+                        <a:t>级行政区为单位，筛选出了每个省级行政区最受好</a:t>
+                      </a:r>
+                      <a:r>
+                        <a:rPr lang="zh-CN" altLang="en-US" sz="1800" dirty="0" smtClean="0"/>
+                        <a:t>评各省份有没有</a:t>
                       </a:r>
                       <a:r>
                         <a:rPr lang="zh-CN" altLang="en-US" sz="1800" b="1" dirty="0" smtClean="0"/>
@@ -12869,7 +12877,11 @@
                       </a:r>
                       <a:r>
                         <a:rPr lang="zh-CN" altLang="en-US" sz="1800" dirty="0" smtClean="0"/>
-                        <a:t>呢？我们把这些景点门票数据以省级行政区为单位，筛选出了每个省级行政区最受好评且销量最高的景点，看下图。</a:t>
+                        <a:t>呢？我们把这些景点门票数据以且</a:t>
+                      </a:r>
+                      <a:r>
+                        <a:rPr lang="zh-CN" altLang="en-US" sz="1800" dirty="0" smtClean="0"/>
+                        <a:t>销量最高的景点，看下图。</a:t>
                       </a:r>
                     </a:p>
                   </a:txBody>
@@ -13266,14 +13278,14 @@
           </a:ln>
           <a:extLst>
             <a:ext uri="{909E8E84-426E-40DD-AFC4-6F175D3DCCD1}">
-              <a14:hiddenFill xmlns="" xmlns:a14="http://schemas.microsoft.com/office/drawing/2010/main">
+              <a14:hiddenFill xmlns:a14="http://schemas.microsoft.com/office/drawing/2010/main" xmlns="">
                 <a:solidFill>
                   <a:srgbClr val="FFFFFF"/>
                 </a:solidFill>
               </a14:hiddenFill>
             </a:ext>
             <a:ext uri="{91240B29-F687-4F45-9708-019B960494DF}">
-              <a14:hiddenLine xmlns="" xmlns:a14="http://schemas.microsoft.com/office/drawing/2010/main" w="9525">
+              <a14:hiddenLine xmlns:a14="http://schemas.microsoft.com/office/drawing/2010/main" xmlns="" w="9525">
                 <a:solidFill>
                   <a:srgbClr val="000000"/>
                 </a:solidFill>
@@ -13470,7 +13482,7 @@
             </a:ln>
             <a:extLst>
               <a:ext uri="{91240B29-F687-4F45-9708-019B960494DF}">
-                <a14:hiddenLine xmlns="" xmlns:a14="http://schemas.microsoft.com/office/drawing/2010/main" w="25400">
+                <a14:hiddenLine xmlns:a14="http://schemas.microsoft.com/office/drawing/2010/main" xmlns="" w="25400">
                   <a:solidFill>
                     <a:srgbClr val="395E8A"/>
                   </a:solidFill>
@@ -13627,7 +13639,7 @@
             </a:ln>
             <a:extLst>
               <a:ext uri="{91240B29-F687-4F45-9708-019B960494DF}">
-                <a14:hiddenLine xmlns="" xmlns:a14="http://schemas.microsoft.com/office/drawing/2010/main" w="25400">
+                <a14:hiddenLine xmlns:a14="http://schemas.microsoft.com/office/drawing/2010/main" xmlns="" w="25400">
                   <a:solidFill>
                     <a:srgbClr val="395E8A"/>
                   </a:solidFill>
@@ -14511,7 +14523,7 @@
           </a:prstGeom>
           <a:extLst>
             <a:ext uri="{91240B29-F687-4F45-9708-019B960494DF}">
-              <a14:hiddenLine xmlns="" xmlns:a14="http://schemas.microsoft.com/office/drawing/2010/main" w="9525">
+              <a14:hiddenLine xmlns:a14="http://schemas.microsoft.com/office/drawing/2010/main" xmlns="" w="9525">
                 <a:solidFill>
                   <a:srgbClr val="000000"/>
                 </a:solidFill>
@@ -14563,7 +14575,7 @@
           </a:prstGeom>
           <a:extLst>
             <a:ext uri="{91240B29-F687-4F45-9708-019B960494DF}">
-              <a14:hiddenLine xmlns="" xmlns:a14="http://schemas.microsoft.com/office/drawing/2010/main" w="9525">
+              <a14:hiddenLine xmlns:a14="http://schemas.microsoft.com/office/drawing/2010/main" xmlns="" w="9525">
                 <a:solidFill>
                   <a:srgbClr val="000000"/>
                 </a:solidFill>
@@ -14620,7 +14632,7 @@
           </a:prstGeom>
           <a:extLst>
             <a:ext uri="{91240B29-F687-4F45-9708-019B960494DF}">
-              <a14:hiddenLine xmlns="" xmlns:a14="http://schemas.microsoft.com/office/drawing/2010/main" w="9525">
+              <a14:hiddenLine xmlns:a14="http://schemas.microsoft.com/office/drawing/2010/main" xmlns="" w="9525">
                 <a:solidFill>
                   <a:srgbClr val="000000"/>
                 </a:solidFill>
@@ -14673,14 +14685,14 @@
           </a:ln>
           <a:extLst>
             <a:ext uri="{909E8E84-426E-40DD-AFC4-6F175D3DCCD1}">
-              <a14:hiddenFill xmlns="" xmlns:a14="http://schemas.microsoft.com/office/drawing/2010/main">
+              <a14:hiddenFill xmlns:a14="http://schemas.microsoft.com/office/drawing/2010/main" xmlns="">
                 <a:solidFill>
                   <a:srgbClr val="FFFFFF"/>
                 </a:solidFill>
               </a14:hiddenFill>
             </a:ext>
             <a:ext uri="{91240B29-F687-4F45-9708-019B960494DF}">
-              <a14:hiddenLine xmlns="" xmlns:a14="http://schemas.microsoft.com/office/drawing/2010/main" w="9525">
+              <a14:hiddenLine xmlns:a14="http://schemas.microsoft.com/office/drawing/2010/main" xmlns="" w="9525">
                 <a:solidFill>
                   <a:srgbClr val="000000"/>
                 </a:solidFill>
@@ -14834,7 +14846,7 @@
           </a:prstGeom>
           <a:extLst>
             <a:ext uri="{91240B29-F687-4F45-9708-019B960494DF}">
-              <a14:hiddenLine xmlns="" xmlns:a14="http://schemas.microsoft.com/office/drawing/2010/main" w="9525">
+              <a14:hiddenLine xmlns:a14="http://schemas.microsoft.com/office/drawing/2010/main" xmlns="" w="9525">
                 <a:solidFill>
                   <a:srgbClr val="000000"/>
                 </a:solidFill>
@@ -14887,14 +14899,14 @@
           </a:ln>
           <a:extLst>
             <a:ext uri="{909E8E84-426E-40DD-AFC4-6F175D3DCCD1}">
-              <a14:hiddenFill xmlns="" xmlns:a14="http://schemas.microsoft.com/office/drawing/2010/main">
+              <a14:hiddenFill xmlns:a14="http://schemas.microsoft.com/office/drawing/2010/main" xmlns="">
                 <a:solidFill>
                   <a:srgbClr val="FFFFFF"/>
                 </a:solidFill>
               </a14:hiddenFill>
             </a:ext>
             <a:ext uri="{91240B29-F687-4F45-9708-019B960494DF}">
-              <a14:hiddenLine xmlns="" xmlns:a14="http://schemas.microsoft.com/office/drawing/2010/main" w="9525">
+              <a14:hiddenLine xmlns:a14="http://schemas.microsoft.com/office/drawing/2010/main" xmlns="" w="9525">
                 <a:solidFill>
                   <a:srgbClr val="000000"/>
                 </a:solidFill>
@@ -15052,7 +15064,7 @@
           </a:prstGeom>
           <a:extLst>
             <a:ext uri="{91240B29-F687-4F45-9708-019B960494DF}">
-              <a14:hiddenLine xmlns="" xmlns:a14="http://schemas.microsoft.com/office/drawing/2010/main" w="9525">
+              <a14:hiddenLine xmlns:a14="http://schemas.microsoft.com/office/drawing/2010/main" xmlns="" w="9525">
                 <a:solidFill>
                   <a:srgbClr val="000000"/>
                 </a:solidFill>
@@ -15105,14 +15117,14 @@
           </a:ln>
           <a:extLst>
             <a:ext uri="{909E8E84-426E-40DD-AFC4-6F175D3DCCD1}">
-              <a14:hiddenFill xmlns="" xmlns:a14="http://schemas.microsoft.com/office/drawing/2010/main">
+              <a14:hiddenFill xmlns:a14="http://schemas.microsoft.com/office/drawing/2010/main" xmlns="">
                 <a:solidFill>
                   <a:srgbClr val="FFFFFF"/>
                 </a:solidFill>
               </a14:hiddenFill>
             </a:ext>
             <a:ext uri="{91240B29-F687-4F45-9708-019B960494DF}">
-              <a14:hiddenLine xmlns="" xmlns:a14="http://schemas.microsoft.com/office/drawing/2010/main" w="9525">
+              <a14:hiddenLine xmlns:a14="http://schemas.microsoft.com/office/drawing/2010/main" xmlns="" w="9525">
                 <a:solidFill>
                   <a:srgbClr val="000000"/>
                 </a:solidFill>
@@ -15270,7 +15282,7 @@
           </a:prstGeom>
           <a:extLst>
             <a:ext uri="{91240B29-F687-4F45-9708-019B960494DF}">
-              <a14:hiddenLine xmlns="" xmlns:a14="http://schemas.microsoft.com/office/drawing/2010/main" w="9525">
+              <a14:hiddenLine xmlns:a14="http://schemas.microsoft.com/office/drawing/2010/main" xmlns="" w="9525">
                 <a:solidFill>
                   <a:srgbClr val="000000"/>
                 </a:solidFill>
@@ -15323,14 +15335,14 @@
           </a:ln>
           <a:extLst>
             <a:ext uri="{909E8E84-426E-40DD-AFC4-6F175D3DCCD1}">
-              <a14:hiddenFill xmlns="" xmlns:a14="http://schemas.microsoft.com/office/drawing/2010/main">
+              <a14:hiddenFill xmlns:a14="http://schemas.microsoft.com/office/drawing/2010/main" xmlns="">
                 <a:solidFill>
                   <a:srgbClr val="FFFFFF"/>
                 </a:solidFill>
               </a14:hiddenFill>
             </a:ext>
             <a:ext uri="{91240B29-F687-4F45-9708-019B960494DF}">
-              <a14:hiddenLine xmlns="" xmlns:a14="http://schemas.microsoft.com/office/drawing/2010/main" w="9525">
+              <a14:hiddenLine xmlns:a14="http://schemas.microsoft.com/office/drawing/2010/main" xmlns="" w="9525">
                 <a:solidFill>
                   <a:srgbClr val="000000"/>
                 </a:solidFill>
@@ -15488,7 +15500,7 @@
           </a:prstGeom>
           <a:extLst>
             <a:ext uri="{91240B29-F687-4F45-9708-019B960494DF}">
-              <a14:hiddenLine xmlns="" xmlns:a14="http://schemas.microsoft.com/office/drawing/2010/main" w="9525">
+              <a14:hiddenLine xmlns:a14="http://schemas.microsoft.com/office/drawing/2010/main" xmlns="" w="9525">
                 <a:solidFill>
                   <a:srgbClr val="000000"/>
                 </a:solidFill>
@@ -15541,14 +15553,14 @@
           </a:ln>
           <a:extLst>
             <a:ext uri="{909E8E84-426E-40DD-AFC4-6F175D3DCCD1}">
-              <a14:hiddenFill xmlns="" xmlns:a14="http://schemas.microsoft.com/office/drawing/2010/main">
+              <a14:hiddenFill xmlns:a14="http://schemas.microsoft.com/office/drawing/2010/main" xmlns="">
                 <a:solidFill>
                   <a:srgbClr val="FFFFFF"/>
                 </a:solidFill>
               </a14:hiddenFill>
             </a:ext>
             <a:ext uri="{91240B29-F687-4F45-9708-019B960494DF}">
-              <a14:hiddenLine xmlns="" xmlns:a14="http://schemas.microsoft.com/office/drawing/2010/main" w="9525">
+              <a14:hiddenLine xmlns:a14="http://schemas.microsoft.com/office/drawing/2010/main" xmlns="" w="9525">
                 <a:solidFill>
                   <a:srgbClr val="000000"/>
                 </a:solidFill>
@@ -17132,14 +17144,14 @@
           </a:ln>
           <a:extLst>
             <a:ext uri="{909E8E84-426E-40DD-AFC4-6F175D3DCCD1}">
-              <a14:hiddenFill xmlns="" xmlns:a14="http://schemas.microsoft.com/office/drawing/2010/main">
+              <a14:hiddenFill xmlns:a14="http://schemas.microsoft.com/office/drawing/2010/main" xmlns="">
                 <a:solidFill>
                   <a:srgbClr val="FFFFFF"/>
                 </a:solidFill>
               </a14:hiddenFill>
             </a:ext>
             <a:ext uri="{91240B29-F687-4F45-9708-019B960494DF}">
-              <a14:hiddenLine xmlns="" xmlns:a14="http://schemas.microsoft.com/office/drawing/2010/main" w="9525">
+              <a14:hiddenLine xmlns:a14="http://schemas.microsoft.com/office/drawing/2010/main" xmlns="" w="9525">
                 <a:solidFill>
                   <a:srgbClr val="000000"/>
                 </a:solidFill>
@@ -17336,7 +17348,7 @@
             </a:ln>
             <a:extLst>
               <a:ext uri="{91240B29-F687-4F45-9708-019B960494DF}">
-                <a14:hiddenLine xmlns="" xmlns:a14="http://schemas.microsoft.com/office/drawing/2010/main" w="25400">
+                <a14:hiddenLine xmlns:a14="http://schemas.microsoft.com/office/drawing/2010/main" xmlns="" w="25400">
                   <a:solidFill>
                     <a:srgbClr val="395E8A"/>
                   </a:solidFill>
@@ -17493,7 +17505,7 @@
             </a:ln>
             <a:extLst>
               <a:ext uri="{91240B29-F687-4F45-9708-019B960494DF}">
-                <a14:hiddenLine xmlns="" xmlns:a14="http://schemas.microsoft.com/office/drawing/2010/main" w="25400">
+                <a14:hiddenLine xmlns:a14="http://schemas.microsoft.com/office/drawing/2010/main" xmlns="" w="25400">
                   <a:solidFill>
                     <a:srgbClr val="395E8A"/>
                   </a:solidFill>
@@ -18045,14 +18057,14 @@
           </a:ln>
           <a:extLst>
             <a:ext uri="{909E8E84-426E-40DD-AFC4-6F175D3DCCD1}">
-              <a14:hiddenFill xmlns="" xmlns:a14="http://schemas.microsoft.com/office/drawing/2010/main">
+              <a14:hiddenFill xmlns:a14="http://schemas.microsoft.com/office/drawing/2010/main" xmlns="">
                 <a:solidFill>
                   <a:srgbClr val="FFFFFF"/>
                 </a:solidFill>
               </a14:hiddenFill>
             </a:ext>
             <a:ext uri="{91240B29-F687-4F45-9708-019B960494DF}">
-              <a14:hiddenLine xmlns="" xmlns:a14="http://schemas.microsoft.com/office/drawing/2010/main" w="9525">
+              <a14:hiddenLine xmlns:a14="http://schemas.microsoft.com/office/drawing/2010/main" xmlns="" w="9525">
                 <a:solidFill>
                   <a:srgbClr val="000000"/>
                 </a:solidFill>
@@ -18249,7 +18261,7 @@
             </a:ln>
             <a:extLst>
               <a:ext uri="{91240B29-F687-4F45-9708-019B960494DF}">
-                <a14:hiddenLine xmlns="" xmlns:a14="http://schemas.microsoft.com/office/drawing/2010/main" w="25400">
+                <a14:hiddenLine xmlns:a14="http://schemas.microsoft.com/office/drawing/2010/main" xmlns="" w="25400">
                   <a:solidFill>
                     <a:srgbClr val="395E8A"/>
                   </a:solidFill>
@@ -18406,7 +18418,7 @@
             </a:ln>
             <a:extLst>
               <a:ext uri="{91240B29-F687-4F45-9708-019B960494DF}">
-                <a14:hiddenLine xmlns="" xmlns:a14="http://schemas.microsoft.com/office/drawing/2010/main" w="25400">
+                <a14:hiddenLine xmlns:a14="http://schemas.microsoft.com/office/drawing/2010/main" xmlns="" w="25400">
                   <a:solidFill>
                     <a:srgbClr val="395E8A"/>
                   </a:solidFill>
@@ -19282,14 +19294,14 @@
           </a:ln>
           <a:extLst>
             <a:ext uri="{909E8E84-426E-40DD-AFC4-6F175D3DCCD1}">
-              <a14:hiddenFill xmlns="" xmlns:a14="http://schemas.microsoft.com/office/drawing/2010/main">
+              <a14:hiddenFill xmlns:a14="http://schemas.microsoft.com/office/drawing/2010/main" xmlns="">
                 <a:solidFill>
                   <a:srgbClr val="FFFFFF"/>
                 </a:solidFill>
               </a14:hiddenFill>
             </a:ext>
             <a:ext uri="{91240B29-F687-4F45-9708-019B960494DF}">
-              <a14:hiddenLine xmlns="" xmlns:a14="http://schemas.microsoft.com/office/drawing/2010/main" w="9525">
+              <a14:hiddenLine xmlns:a14="http://schemas.microsoft.com/office/drawing/2010/main" xmlns="" w="9525">
                 <a:solidFill>
                   <a:srgbClr val="000000"/>
                 </a:solidFill>
@@ -19436,34 +19448,6 @@
           </a:p>
         </p:txBody>
       </p:sp>
-      <p:pic>
-        <p:nvPicPr>
-          <p:cNvPr id="3075" name="图片 5" descr="图片1.jpg"/>
-          <p:cNvPicPr>
-            <a:picLocks noChangeAspect="1"/>
-          </p:cNvPicPr>
-          <p:nvPr/>
-        </p:nvPicPr>
-        <p:blipFill>
-          <a:blip r:embed="rId2" cstate="print"/>
-          <a:stretch>
-            <a:fillRect/>
-          </a:stretch>
-        </p:blipFill>
-        <p:spPr>
-          <a:xfrm>
-            <a:off x="6266815" y="3810"/>
-            <a:ext cx="2793365" cy="490855"/>
-          </a:xfrm>
-          <a:prstGeom prst="rect">
-            <a:avLst/>
-          </a:prstGeom>
-          <a:noFill/>
-          <a:ln w="9525">
-            <a:noFill/>
-          </a:ln>
-        </p:spPr>
-      </p:pic>
       <p:grpSp>
         <p:nvGrpSpPr>
           <p:cNvPr id="6174" name="组合 29"/>
@@ -19502,7 +19486,7 @@
             </a:ln>
             <a:extLst>
               <a:ext uri="{91240B29-F687-4F45-9708-019B960494DF}">
-                <a14:hiddenLine xmlns="" xmlns:a14="http://schemas.microsoft.com/office/drawing/2010/main" w="25400">
+                <a14:hiddenLine xmlns:a14="http://schemas.microsoft.com/office/drawing/2010/main" xmlns="" w="25400">
                   <a:solidFill>
                     <a:srgbClr val="395E8A"/>
                   </a:solidFill>
@@ -19659,7 +19643,7 @@
             </a:ln>
             <a:extLst>
               <a:ext uri="{91240B29-F687-4F45-9708-019B960494DF}">
-                <a14:hiddenLine xmlns="" xmlns:a14="http://schemas.microsoft.com/office/drawing/2010/main" w="25400">
+                <a14:hiddenLine xmlns:a14="http://schemas.microsoft.com/office/drawing/2010/main" xmlns="" w="25400">
                   <a:solidFill>
                     <a:srgbClr val="395E8A"/>
                   </a:solidFill>
@@ -19802,7 +19786,7 @@
           <p:nvPr/>
         </p:nvPicPr>
         <p:blipFill>
-          <a:blip r:embed="rId3" cstate="print"/>
+          <a:blip r:embed="rId2" cstate="print"/>
           <a:stretch>
             <a:fillRect/>
           </a:stretch>
@@ -19826,7 +19810,7 @@
           <p:nvPr/>
         </p:nvPicPr>
         <p:blipFill>
-          <a:blip r:embed="rId4" cstate="print"/>
+          <a:blip r:embed="rId3" cstate="print"/>
           <a:stretch>
             <a:fillRect/>
           </a:stretch>
@@ -20364,14 +20348,14 @@
           </a:ln>
           <a:extLst>
             <a:ext uri="{909E8E84-426E-40DD-AFC4-6F175D3DCCD1}">
-              <a14:hiddenFill xmlns="" xmlns:a14="http://schemas.microsoft.com/office/drawing/2010/main">
+              <a14:hiddenFill xmlns:a14="http://schemas.microsoft.com/office/drawing/2010/main" xmlns="">
                 <a:solidFill>
                   <a:srgbClr val="FFFFFF"/>
                 </a:solidFill>
               </a14:hiddenFill>
             </a:ext>
             <a:ext uri="{91240B29-F687-4F45-9708-019B960494DF}">
-              <a14:hiddenLine xmlns="" xmlns:a14="http://schemas.microsoft.com/office/drawing/2010/main" w="9525">
+              <a14:hiddenLine xmlns:a14="http://schemas.microsoft.com/office/drawing/2010/main" xmlns="" w="9525">
                 <a:solidFill>
                   <a:srgbClr val="000000"/>
                 </a:solidFill>
@@ -20613,14 +20597,14 @@
           </a:ln>
           <a:extLst>
             <a:ext uri="{909E8E84-426E-40DD-AFC4-6F175D3DCCD1}">
-              <a14:hiddenFill xmlns="" xmlns:a14="http://schemas.microsoft.com/office/drawing/2010/main">
+              <a14:hiddenFill xmlns:a14="http://schemas.microsoft.com/office/drawing/2010/main" xmlns="">
                 <a:solidFill>
                   <a:srgbClr val="FFFFFF"/>
                 </a:solidFill>
               </a14:hiddenFill>
             </a:ext>
             <a:ext uri="{91240B29-F687-4F45-9708-019B960494DF}">
-              <a14:hiddenLine xmlns="" xmlns:a14="http://schemas.microsoft.com/office/drawing/2010/main" w="9525">
+              <a14:hiddenLine xmlns:a14="http://schemas.microsoft.com/office/drawing/2010/main" xmlns="" w="9525">
                 <a:solidFill>
                   <a:srgbClr val="000000"/>
                 </a:solidFill>
@@ -20785,14 +20769,14 @@
           </a:ln>
           <a:extLst>
             <a:ext uri="{909E8E84-426E-40DD-AFC4-6F175D3DCCD1}">
-              <a14:hiddenFill xmlns="" xmlns:a14="http://schemas.microsoft.com/office/drawing/2010/main">
+              <a14:hiddenFill xmlns:a14="http://schemas.microsoft.com/office/drawing/2010/main" xmlns="">
                 <a:solidFill>
                   <a:srgbClr val="FFFFFF"/>
                 </a:solidFill>
               </a14:hiddenFill>
             </a:ext>
             <a:ext uri="{91240B29-F687-4F45-9708-019B960494DF}">
-              <a14:hiddenLine xmlns="" xmlns:a14="http://schemas.microsoft.com/office/drawing/2010/main" w="9525">
+              <a14:hiddenLine xmlns:a14="http://schemas.microsoft.com/office/drawing/2010/main" xmlns="" w="9525">
                 <a:solidFill>
                   <a:srgbClr val="000000"/>
                 </a:solidFill>
@@ -21532,14 +21516,14 @@
           </a:ln>
           <a:extLst>
             <a:ext uri="{909E8E84-426E-40DD-AFC4-6F175D3DCCD1}">
-              <a14:hiddenFill xmlns="" xmlns:a14="http://schemas.microsoft.com/office/drawing/2010/main">
+              <a14:hiddenFill xmlns:a14="http://schemas.microsoft.com/office/drawing/2010/main" xmlns="">
                 <a:solidFill>
                   <a:srgbClr val="FFFFFF"/>
                 </a:solidFill>
               </a14:hiddenFill>
             </a:ext>
             <a:ext uri="{91240B29-F687-4F45-9708-019B960494DF}">
-              <a14:hiddenLine xmlns="" xmlns:a14="http://schemas.microsoft.com/office/drawing/2010/main" w="9525">
+              <a14:hiddenLine xmlns:a14="http://schemas.microsoft.com/office/drawing/2010/main" xmlns="" w="9525">
                 <a:solidFill>
                   <a:srgbClr val="000000"/>
                 </a:solidFill>
@@ -21704,14 +21688,14 @@
           </a:ln>
           <a:extLst>
             <a:ext uri="{909E8E84-426E-40DD-AFC4-6F175D3DCCD1}">
-              <a14:hiddenFill xmlns="" xmlns:a14="http://schemas.microsoft.com/office/drawing/2010/main">
+              <a14:hiddenFill xmlns:a14="http://schemas.microsoft.com/office/drawing/2010/main" xmlns="">
                 <a:solidFill>
                   <a:srgbClr val="FFFFFF"/>
                 </a:solidFill>
               </a14:hiddenFill>
             </a:ext>
             <a:ext uri="{91240B29-F687-4F45-9708-019B960494DF}">
-              <a14:hiddenLine xmlns="" xmlns:a14="http://schemas.microsoft.com/office/drawing/2010/main" w="9525">
+              <a14:hiddenLine xmlns:a14="http://schemas.microsoft.com/office/drawing/2010/main" xmlns="" w="9525">
                 <a:solidFill>
                   <a:srgbClr val="000000"/>
                 </a:solidFill>
@@ -22442,14 +22426,14 @@
           </a:ln>
           <a:extLst>
             <a:ext uri="{909E8E84-426E-40DD-AFC4-6F175D3DCCD1}">
-              <a14:hiddenFill xmlns="" xmlns:a14="http://schemas.microsoft.com/office/drawing/2010/main">
+              <a14:hiddenFill xmlns:a14="http://schemas.microsoft.com/office/drawing/2010/main" xmlns="">
                 <a:solidFill>
                   <a:srgbClr val="FFFFFF"/>
                 </a:solidFill>
               </a14:hiddenFill>
             </a:ext>
             <a:ext uri="{91240B29-F687-4F45-9708-019B960494DF}">
-              <a14:hiddenLine xmlns="" xmlns:a14="http://schemas.microsoft.com/office/drawing/2010/main" w="9525">
+              <a14:hiddenLine xmlns:a14="http://schemas.microsoft.com/office/drawing/2010/main" xmlns="" w="9525">
                 <a:solidFill>
                   <a:srgbClr val="000000"/>
                 </a:solidFill>
@@ -22620,14 +22604,14 @@
           </a:ln>
           <a:extLst>
             <a:ext uri="{909E8E84-426E-40DD-AFC4-6F175D3DCCD1}">
-              <a14:hiddenFill xmlns="" xmlns:a14="http://schemas.microsoft.com/office/drawing/2010/main">
+              <a14:hiddenFill xmlns:a14="http://schemas.microsoft.com/office/drawing/2010/main" xmlns="">
                 <a:solidFill>
                   <a:srgbClr val="FFFFFF"/>
                 </a:solidFill>
               </a14:hiddenFill>
             </a:ext>
             <a:ext uri="{91240B29-F687-4F45-9708-019B960494DF}">
-              <a14:hiddenLine xmlns="" xmlns:a14="http://schemas.microsoft.com/office/drawing/2010/main" w="9525">
+              <a14:hiddenLine xmlns:a14="http://schemas.microsoft.com/office/drawing/2010/main" xmlns="" w="9525">
                 <a:solidFill>
                   <a:srgbClr val="000000"/>
                 </a:solidFill>
@@ -22810,7 +22794,7 @@
             </a:ln>
             <a:extLst>
               <a:ext uri="{91240B29-F687-4F45-9708-019B960494DF}">
-                <a14:hiddenLine xmlns="" xmlns:a14="http://schemas.microsoft.com/office/drawing/2010/main" w="25400">
+                <a14:hiddenLine xmlns:a14="http://schemas.microsoft.com/office/drawing/2010/main" xmlns="" w="25400">
                   <a:solidFill>
                     <a:srgbClr val="395E8A"/>
                   </a:solidFill>
@@ -22967,7 +22951,7 @@
             </a:ln>
             <a:extLst>
               <a:ext uri="{91240B29-F687-4F45-9708-019B960494DF}">
-                <a14:hiddenLine xmlns="" xmlns:a14="http://schemas.microsoft.com/office/drawing/2010/main" w="25400">
+                <a14:hiddenLine xmlns:a14="http://schemas.microsoft.com/office/drawing/2010/main" xmlns="" w="25400">
                   <a:solidFill>
                     <a:srgbClr val="395E8A"/>
                   </a:solidFill>
@@ -23698,14 +23682,14 @@
           </a:ln>
           <a:extLst>
             <a:ext uri="{909E8E84-426E-40DD-AFC4-6F175D3DCCD1}">
-              <a14:hiddenFill xmlns="" xmlns:a14="http://schemas.microsoft.com/office/drawing/2010/main">
+              <a14:hiddenFill xmlns:a14="http://schemas.microsoft.com/office/drawing/2010/main" xmlns="">
                 <a:solidFill>
                   <a:srgbClr val="FFFFFF"/>
                 </a:solidFill>
               </a14:hiddenFill>
             </a:ext>
             <a:ext uri="{91240B29-F687-4F45-9708-019B960494DF}">
-              <a14:hiddenLine xmlns="" xmlns:a14="http://schemas.microsoft.com/office/drawing/2010/main" w="9525">
+              <a14:hiddenLine xmlns:a14="http://schemas.microsoft.com/office/drawing/2010/main" xmlns="" w="9525">
                 <a:solidFill>
                   <a:srgbClr val="000000"/>
                 </a:solidFill>
@@ -23876,14 +23860,14 @@
           </a:ln>
           <a:extLst>
             <a:ext uri="{909E8E84-426E-40DD-AFC4-6F175D3DCCD1}">
-              <a14:hiddenFill xmlns="" xmlns:a14="http://schemas.microsoft.com/office/drawing/2010/main">
+              <a14:hiddenFill xmlns:a14="http://schemas.microsoft.com/office/drawing/2010/main" xmlns="">
                 <a:solidFill>
                   <a:srgbClr val="FFFFFF"/>
                 </a:solidFill>
               </a14:hiddenFill>
             </a:ext>
             <a:ext uri="{91240B29-F687-4F45-9708-019B960494DF}">
-              <a14:hiddenLine xmlns="" xmlns:a14="http://schemas.microsoft.com/office/drawing/2010/main" w="9525">
+              <a14:hiddenLine xmlns:a14="http://schemas.microsoft.com/office/drawing/2010/main" xmlns="" w="9525">
                 <a:solidFill>
                   <a:srgbClr val="000000"/>
                 </a:solidFill>
@@ -24067,7 +24051,7 @@
             </a:ln>
             <a:extLst>
               <a:ext uri="{91240B29-F687-4F45-9708-019B960494DF}">
-                <a14:hiddenLine xmlns="" xmlns:a14="http://schemas.microsoft.com/office/drawing/2010/main" w="25400">
+                <a14:hiddenLine xmlns:a14="http://schemas.microsoft.com/office/drawing/2010/main" xmlns="" w="25400">
                   <a:solidFill>
                     <a:srgbClr val="395E8A"/>
                   </a:solidFill>
@@ -24224,7 +24208,7 @@
             </a:ln>
             <a:extLst>
               <a:ext uri="{91240B29-F687-4F45-9708-019B960494DF}">
-                <a14:hiddenLine xmlns="" xmlns:a14="http://schemas.microsoft.com/office/drawing/2010/main" w="25400">
+                <a14:hiddenLine xmlns:a14="http://schemas.microsoft.com/office/drawing/2010/main" xmlns="" w="25400">
                   <a:solidFill>
                     <a:srgbClr val="395E8A"/>
                   </a:solidFill>
@@ -24480,11 +24464,7 @@
                       </a:r>
                       <a:r>
                         <a:rPr lang="zh-CN" altLang="en-US" sz="1600" dirty="0" smtClean="0"/>
-                        <a:t>、挑选所需要字段，数据去</a:t>
-                      </a:r>
-                      <a:r>
-                        <a:rPr lang="zh-CN" altLang="en-US" sz="1600" dirty="0" smtClean="0"/>
-                        <a:t>重，缺失值处理</a:t>
+                        <a:t>、挑选所需要字段，数据去重，缺失值处理</a:t>
                       </a:r>
                       <a:endParaRPr lang="en-US" altLang="zh-CN" sz="1600" dirty="0" smtClean="0"/>
                     </a:p>
@@ -24773,11 +24753,7 @@
                       </a:pPr>
                       <a:r>
                         <a:rPr lang="zh-CN" altLang="en-US" sz="1600" dirty="0" smtClean="0"/>
-                        <a:t>程</a:t>
-                      </a:r>
-                      <a:r>
-                        <a:rPr lang="zh-CN" altLang="en-US" sz="1600" dirty="0" smtClean="0"/>
-                        <a:t>飞</a:t>
+                        <a:t>程飞</a:t>
                       </a:r>
                     </a:p>
                   </a:txBody>
@@ -24795,15 +24771,7 @@
                       </a:r>
                       <a:r>
                         <a:rPr lang="zh-CN" altLang="en-US" sz="1600" dirty="0" smtClean="0"/>
-                        <a:t>、对</a:t>
-                      </a:r>
-                      <a:r>
-                        <a:rPr lang="zh-CN" altLang="en-US" sz="1600" dirty="0" smtClean="0"/>
-                        <a:t>清洗完的数</a:t>
-                      </a:r>
-                      <a:r>
-                        <a:rPr lang="zh-CN" altLang="en-US" sz="1600" dirty="0" smtClean="0"/>
-                        <a:t>据进行分析；</a:t>
+                        <a:t>、对清洗完的数据进行分析；</a:t>
                       </a:r>
                       <a:endParaRPr lang="en-US" altLang="zh-CN" sz="1600" dirty="0" smtClean="0"/>
                     </a:p>
@@ -24815,11 +24783,7 @@
                       </a:r>
                       <a:r>
                         <a:rPr lang="zh-CN" altLang="en-US" sz="1600" dirty="0" smtClean="0"/>
-                        <a:t>、按</a:t>
-                      </a:r>
-                      <a:r>
-                        <a:rPr lang="zh-CN" altLang="en-US" sz="1600" dirty="0" smtClean="0"/>
-                        <a:t>照需求，使用</a:t>
+                        <a:t>、按照需求，使用</a:t>
                       </a:r>
                       <a:r>
                         <a:rPr lang="en-US" altLang="zh-CN" sz="1600" dirty="0" smtClean="0"/>
@@ -24835,11 +24799,7 @@
                       <a:pPr lvl="0" algn="l"/>
                       <a:r>
                         <a:rPr lang="zh-CN" altLang="en-US" sz="1600" dirty="0" smtClean="0"/>
-                        <a:t>       漏</a:t>
-                      </a:r>
-                      <a:r>
-                        <a:rPr lang="zh-CN" altLang="en-US" sz="1600" dirty="0" smtClean="0"/>
-                        <a:t>斗图、条形图、</a:t>
+                        <a:t>       漏斗图、条形图、</a:t>
                       </a:r>
                       <a:r>
                         <a:rPr lang="en-US" altLang="zh-CN" sz="1600" dirty="0" smtClean="0"/>
@@ -24847,11 +24807,7 @@
                       </a:r>
                       <a:r>
                         <a:rPr lang="zh-CN" altLang="en-US" sz="1600" dirty="0" smtClean="0"/>
-                        <a:t>图、词云图、饼图，更</a:t>
-                      </a:r>
-                      <a:r>
-                        <a:rPr lang="zh-CN" altLang="en-US" sz="1600" dirty="0" smtClean="0"/>
-                        <a:t>加</a:t>
+                        <a:t>图、词云图、饼图，更加</a:t>
                       </a:r>
                       <a:endParaRPr lang="en-US" altLang="zh-CN" sz="1600" dirty="0" smtClean="0"/>
                     </a:p>
@@ -24863,15 +24819,7 @@
                       </a:r>
                       <a:r>
                         <a:rPr lang="zh-CN" altLang="en-US" sz="1600" dirty="0" smtClean="0"/>
-                        <a:t>形</a:t>
-                      </a:r>
-                      <a:r>
-                        <a:rPr lang="zh-CN" altLang="en-US" sz="1600" dirty="0" smtClean="0"/>
-                        <a:t>象地描述出各变量之间的关系</a:t>
-                      </a:r>
-                      <a:r>
-                        <a:rPr lang="zh-CN" altLang="en-US" sz="1600" dirty="0" smtClean="0"/>
-                        <a:t>。</a:t>
+                        <a:t>形象地描述出各变量之间的关系。</a:t>
                       </a:r>
                       <a:endParaRPr lang="en-US" altLang="zh-CN" sz="1600" dirty="0" smtClean="0"/>
                     </a:p>
@@ -25372,14 +25320,14 @@
           </a:ln>
           <a:extLst>
             <a:ext uri="{909E8E84-426E-40DD-AFC4-6F175D3DCCD1}">
-              <a14:hiddenFill xmlns="" xmlns:a14="http://schemas.microsoft.com/office/drawing/2010/main">
+              <a14:hiddenFill xmlns:a14="http://schemas.microsoft.com/office/drawing/2010/main" xmlns="">
                 <a:solidFill>
                   <a:srgbClr val="FFFFFF"/>
                 </a:solidFill>
               </a14:hiddenFill>
             </a:ext>
             <a:ext uri="{91240B29-F687-4F45-9708-019B960494DF}">
-              <a14:hiddenLine xmlns="" xmlns:a14="http://schemas.microsoft.com/office/drawing/2010/main" w="9525">
+              <a14:hiddenLine xmlns:a14="http://schemas.microsoft.com/office/drawing/2010/main" xmlns="" w="9525">
                 <a:solidFill>
                   <a:srgbClr val="000000"/>
                 </a:solidFill>
@@ -25554,14 +25502,14 @@
           </a:ln>
           <a:extLst>
             <a:ext uri="{909E8E84-426E-40DD-AFC4-6F175D3DCCD1}">
-              <a14:hiddenFill xmlns="" xmlns:a14="http://schemas.microsoft.com/office/drawing/2010/main">
+              <a14:hiddenFill xmlns:a14="http://schemas.microsoft.com/office/drawing/2010/main" xmlns="">
                 <a:solidFill>
                   <a:srgbClr val="FFFFFF"/>
                 </a:solidFill>
               </a14:hiddenFill>
             </a:ext>
             <a:ext uri="{91240B29-F687-4F45-9708-019B960494DF}">
-              <a14:hiddenLine xmlns="" xmlns:a14="http://schemas.microsoft.com/office/drawing/2010/main" w="9525">
+              <a14:hiddenLine xmlns:a14="http://schemas.microsoft.com/office/drawing/2010/main" xmlns="" w="9525">
                 <a:solidFill>
                   <a:srgbClr val="000000"/>
                 </a:solidFill>
@@ -26262,14 +26210,14 @@
           </a:ln>
           <a:extLst>
             <a:ext uri="{909E8E84-426E-40DD-AFC4-6F175D3DCCD1}">
-              <a14:hiddenFill xmlns="" xmlns:a14="http://schemas.microsoft.com/office/drawing/2010/main">
+              <a14:hiddenFill xmlns:a14="http://schemas.microsoft.com/office/drawing/2010/main" xmlns="">
                 <a:solidFill>
                   <a:srgbClr val="FFFFFF"/>
                 </a:solidFill>
               </a14:hiddenFill>
             </a:ext>
             <a:ext uri="{91240B29-F687-4F45-9708-019B960494DF}">
-              <a14:hiddenLine xmlns="" xmlns:a14="http://schemas.microsoft.com/office/drawing/2010/main" w="9525">
+              <a14:hiddenLine xmlns:a14="http://schemas.microsoft.com/office/drawing/2010/main" xmlns="" w="9525">
                 <a:solidFill>
                   <a:srgbClr val="000000"/>
                 </a:solidFill>
@@ -26452,7 +26400,7 @@
             </a:ln>
             <a:extLst>
               <a:ext uri="{91240B29-F687-4F45-9708-019B960494DF}">
-                <a14:hiddenLine xmlns="" xmlns:a14="http://schemas.microsoft.com/office/drawing/2010/main" w="25400">
+                <a14:hiddenLine xmlns:a14="http://schemas.microsoft.com/office/drawing/2010/main" xmlns="" w="25400">
                   <a:solidFill>
                     <a:srgbClr val="395E8A"/>
                   </a:solidFill>
@@ -26609,7 +26557,7 @@
             </a:ln>
             <a:extLst>
               <a:ext uri="{91240B29-F687-4F45-9708-019B960494DF}">
-                <a14:hiddenLine xmlns="" xmlns:a14="http://schemas.microsoft.com/office/drawing/2010/main" w="25400">
+                <a14:hiddenLine xmlns:a14="http://schemas.microsoft.com/office/drawing/2010/main" xmlns="" w="25400">
                   <a:solidFill>
                     <a:srgbClr val="395E8A"/>
                   </a:solidFill>
@@ -27398,14 +27346,14 @@
           </a:ln>
           <a:extLst>
             <a:ext uri="{909E8E84-426E-40DD-AFC4-6F175D3DCCD1}">
-              <a14:hiddenFill xmlns="" xmlns:a14="http://schemas.microsoft.com/office/drawing/2010/main">
+              <a14:hiddenFill xmlns:a14="http://schemas.microsoft.com/office/drawing/2010/main" xmlns="">
                 <a:solidFill>
                   <a:srgbClr val="FFFFFF"/>
                 </a:solidFill>
               </a14:hiddenFill>
             </a:ext>
             <a:ext uri="{91240B29-F687-4F45-9708-019B960494DF}">
-              <a14:hiddenLine xmlns="" xmlns:a14="http://schemas.microsoft.com/office/drawing/2010/main" w="9525">
+              <a14:hiddenLine xmlns:a14="http://schemas.microsoft.com/office/drawing/2010/main" xmlns="" w="9525">
                 <a:solidFill>
                   <a:srgbClr val="000000"/>
                 </a:solidFill>
@@ -27580,14 +27528,14 @@
           </a:ln>
           <a:extLst>
             <a:ext uri="{909E8E84-426E-40DD-AFC4-6F175D3DCCD1}">
-              <a14:hiddenFill xmlns="" xmlns:a14="http://schemas.microsoft.com/office/drawing/2010/main">
+              <a14:hiddenFill xmlns:a14="http://schemas.microsoft.com/office/drawing/2010/main" xmlns="">
                 <a:solidFill>
                   <a:srgbClr val="FFFFFF"/>
                 </a:solidFill>
               </a14:hiddenFill>
             </a:ext>
             <a:ext uri="{91240B29-F687-4F45-9708-019B960494DF}">
-              <a14:hiddenLine xmlns="" xmlns:a14="http://schemas.microsoft.com/office/drawing/2010/main" w="9525">
+              <a14:hiddenLine xmlns:a14="http://schemas.microsoft.com/office/drawing/2010/main" xmlns="" w="9525">
                 <a:solidFill>
                   <a:srgbClr val="000000"/>
                 </a:solidFill>
@@ -28288,14 +28236,14 @@
           </a:ln>
           <a:extLst>
             <a:ext uri="{909E8E84-426E-40DD-AFC4-6F175D3DCCD1}">
-              <a14:hiddenFill xmlns="" xmlns:a14="http://schemas.microsoft.com/office/drawing/2010/main">
+              <a14:hiddenFill xmlns:a14="http://schemas.microsoft.com/office/drawing/2010/main" xmlns="">
                 <a:solidFill>
                   <a:srgbClr val="FFFFFF"/>
                 </a:solidFill>
               </a14:hiddenFill>
             </a:ext>
             <a:ext uri="{91240B29-F687-4F45-9708-019B960494DF}">
-              <a14:hiddenLine xmlns="" xmlns:a14="http://schemas.microsoft.com/office/drawing/2010/main" w="9525">
+              <a14:hiddenLine xmlns:a14="http://schemas.microsoft.com/office/drawing/2010/main" xmlns="" w="9525">
                 <a:solidFill>
                   <a:srgbClr val="000000"/>
                 </a:solidFill>
@@ -28485,7 +28433,7 @@
             </a:ln>
             <a:extLst>
               <a:ext uri="{91240B29-F687-4F45-9708-019B960494DF}">
-                <a14:hiddenLine xmlns="" xmlns:a14="http://schemas.microsoft.com/office/drawing/2010/main" w="25400">
+                <a14:hiddenLine xmlns:a14="http://schemas.microsoft.com/office/drawing/2010/main" xmlns="" w="25400">
                   <a:solidFill>
                     <a:srgbClr val="395E8A"/>
                   </a:solidFill>
@@ -28642,7 +28590,7 @@
             </a:ln>
             <a:extLst>
               <a:ext uri="{91240B29-F687-4F45-9708-019B960494DF}">
-                <a14:hiddenLine xmlns="" xmlns:a14="http://schemas.microsoft.com/office/drawing/2010/main" w="25400">
+                <a14:hiddenLine xmlns:a14="http://schemas.microsoft.com/office/drawing/2010/main" xmlns="" w="25400">
                   <a:solidFill>
                     <a:srgbClr val="395E8A"/>
                   </a:solidFill>
@@ -28798,14 +28746,14 @@
           </a:ln>
           <a:extLst>
             <a:ext uri="{909E8E84-426E-40DD-AFC4-6F175D3DCCD1}">
-              <a14:hiddenFill xmlns="" xmlns:a14="http://schemas.microsoft.com/office/drawing/2010/main">
+              <a14:hiddenFill xmlns:a14="http://schemas.microsoft.com/office/drawing/2010/main" xmlns="">
                 <a:solidFill>
                   <a:srgbClr val="FFFFFF"/>
                 </a:solidFill>
               </a14:hiddenFill>
             </a:ext>
             <a:ext uri="{91240B29-F687-4F45-9708-019B960494DF}">
-              <a14:hiddenLine xmlns="" xmlns:a14="http://schemas.microsoft.com/office/drawing/2010/main" w="9525">
+              <a14:hiddenLine xmlns:a14="http://schemas.microsoft.com/office/drawing/2010/main" xmlns="" w="9525">
                 <a:solidFill>
                   <a:srgbClr val="000000"/>
                 </a:solidFill>
@@ -29750,7 +29698,7 @@
   <a:extraClrSchemeLst/>
   <a:extLst>
     <a:ext uri="{05A4C25C-085E-4340-85A3-A5531E510DB2}">
-      <thm15:themeFamily xmlns="" xmlns:thm15="http://schemas.microsoft.com/office/thememl/2012/main" name="Office Theme" id="{62F939B6-93AF-4DB8-9C6B-D6C7DFDC589F}" vid="{4A3C46E8-61CC-4603-A589-7422A47A8E4A}"/>
+      <thm15:themeFamily xmlns:thm15="http://schemas.microsoft.com/office/thememl/2012/main" xmlns="" name="Office Theme" id="{62F939B6-93AF-4DB8-9C6B-D6C7DFDC589F}" vid="{4A3C46E8-61CC-4603-A589-7422A47A8E4A}"/>
     </a:ext>
   </a:extLst>
 </a:theme>
@@ -30011,7 +29959,7 @@
   <a:extraClrSchemeLst/>
   <a:extLst>
     <a:ext uri="{05A4C25C-085E-4340-85A3-A5531E510DB2}">
-      <thm15:themeFamily xmlns="" xmlns:thm15="http://schemas.microsoft.com/office/thememl/2012/main" name="Office Theme" id="{62F939B6-93AF-4DB8-9C6B-D6C7DFDC589F}" vid="{4A3C46E8-61CC-4603-A589-7422A47A8E4A}"/>
+      <thm15:themeFamily xmlns:thm15="http://schemas.microsoft.com/office/thememl/2012/main" xmlns="" name="Office Theme" id="{62F939B6-93AF-4DB8-9C6B-D6C7DFDC589F}" vid="{4A3C46E8-61CC-4603-A589-7422A47A8E4A}"/>
     </a:ext>
   </a:extLst>
 </a:theme>
